--- a/rec/bilder.pptx
+++ b/rec/bilder.pptx
@@ -8,6 +8,7 @@
     <p:sldId id="256" r:id="rId2"/>
     <p:sldId id="257" r:id="rId3"/>
     <p:sldId id="258" r:id="rId4"/>
+    <p:sldId id="259" r:id="rId5"/>
   </p:sldIdLst>
   <p:sldSz cx="6858000" cy="3784600"/>
   <p:notesSz cx="6858000" cy="9144000"/>
@@ -304,7 +305,7 @@
           <a:p>
             <a:fld id="{3D825BE3-AFCB-43DD-BAA1-140ECF34159B}" type="datetimeFigureOut">
               <a:rPr lang="de-DE" smtClean="0"/>
-              <a:t>26.05.2018</a:t>
+              <a:t>07.06.2018</a:t>
             </a:fld>
             <a:endParaRPr lang="de-DE"/>
           </a:p>
@@ -472,7 +473,7 @@
           <a:p>
             <a:fld id="{3D825BE3-AFCB-43DD-BAA1-140ECF34159B}" type="datetimeFigureOut">
               <a:rPr lang="de-DE" smtClean="0"/>
-              <a:t>26.05.2018</a:t>
+              <a:t>07.06.2018</a:t>
             </a:fld>
             <a:endParaRPr lang="de-DE"/>
           </a:p>
@@ -650,7 +651,7 @@
           <a:p>
             <a:fld id="{3D825BE3-AFCB-43DD-BAA1-140ECF34159B}" type="datetimeFigureOut">
               <a:rPr lang="de-DE" smtClean="0"/>
-              <a:t>26.05.2018</a:t>
+              <a:t>07.06.2018</a:t>
             </a:fld>
             <a:endParaRPr lang="de-DE"/>
           </a:p>
@@ -818,7 +819,7 @@
           <a:p>
             <a:fld id="{3D825BE3-AFCB-43DD-BAA1-140ECF34159B}" type="datetimeFigureOut">
               <a:rPr lang="de-DE" smtClean="0"/>
-              <a:t>26.05.2018</a:t>
+              <a:t>07.06.2018</a:t>
             </a:fld>
             <a:endParaRPr lang="de-DE"/>
           </a:p>
@@ -1063,7 +1064,7 @@
           <a:p>
             <a:fld id="{3D825BE3-AFCB-43DD-BAA1-140ECF34159B}" type="datetimeFigureOut">
               <a:rPr lang="de-DE" smtClean="0"/>
-              <a:t>26.05.2018</a:t>
+              <a:t>07.06.2018</a:t>
             </a:fld>
             <a:endParaRPr lang="de-DE"/>
           </a:p>
@@ -1348,7 +1349,7 @@
           <a:p>
             <a:fld id="{3D825BE3-AFCB-43DD-BAA1-140ECF34159B}" type="datetimeFigureOut">
               <a:rPr lang="de-DE" smtClean="0"/>
-              <a:t>26.05.2018</a:t>
+              <a:t>07.06.2018</a:t>
             </a:fld>
             <a:endParaRPr lang="de-DE"/>
           </a:p>
@@ -1772,7 +1773,7 @@
           <a:p>
             <a:fld id="{3D825BE3-AFCB-43DD-BAA1-140ECF34159B}" type="datetimeFigureOut">
               <a:rPr lang="de-DE" smtClean="0"/>
-              <a:t>26.05.2018</a:t>
+              <a:t>07.06.2018</a:t>
             </a:fld>
             <a:endParaRPr lang="de-DE"/>
           </a:p>
@@ -1889,7 +1890,7 @@
           <a:p>
             <a:fld id="{3D825BE3-AFCB-43DD-BAA1-140ECF34159B}" type="datetimeFigureOut">
               <a:rPr lang="de-DE" smtClean="0"/>
-              <a:t>26.05.2018</a:t>
+              <a:t>07.06.2018</a:t>
             </a:fld>
             <a:endParaRPr lang="de-DE"/>
           </a:p>
@@ -1984,7 +1985,7 @@
           <a:p>
             <a:fld id="{3D825BE3-AFCB-43DD-BAA1-140ECF34159B}" type="datetimeFigureOut">
               <a:rPr lang="de-DE" smtClean="0"/>
-              <a:t>26.05.2018</a:t>
+              <a:t>07.06.2018</a:t>
             </a:fld>
             <a:endParaRPr lang="de-DE"/>
           </a:p>
@@ -2259,7 +2260,7 @@
           <a:p>
             <a:fld id="{3D825BE3-AFCB-43DD-BAA1-140ECF34159B}" type="datetimeFigureOut">
               <a:rPr lang="de-DE" smtClean="0"/>
-              <a:t>26.05.2018</a:t>
+              <a:t>07.06.2018</a:t>
             </a:fld>
             <a:endParaRPr lang="de-DE"/>
           </a:p>
@@ -2511,7 +2512,7 @@
           <a:p>
             <a:fld id="{3D825BE3-AFCB-43DD-BAA1-140ECF34159B}" type="datetimeFigureOut">
               <a:rPr lang="de-DE" smtClean="0"/>
-              <a:t>26.05.2018</a:t>
+              <a:t>07.06.2018</a:t>
             </a:fld>
             <a:endParaRPr lang="de-DE"/>
           </a:p>
@@ -2722,7 +2723,7 @@
           <a:p>
             <a:fld id="{3D825BE3-AFCB-43DD-BAA1-140ECF34159B}" type="datetimeFigureOut">
               <a:rPr lang="de-DE" smtClean="0"/>
-              <a:t>26.05.2018</a:t>
+              <a:t>07.06.2018</a:t>
             </a:fld>
             <a:endParaRPr lang="de-DE"/>
           </a:p>
@@ -7618,6 +7619,1317 @@
     <p:extLst>
       <p:ext uri="{BB962C8B-B14F-4D97-AF65-F5344CB8AC3E}">
         <p14:creationId xmlns:p14="http://schemas.microsoft.com/office/powerpoint/2010/main" val="953695103"/>
+      </p:ext>
+    </p:extLst>
+  </p:cSld>
+  <p:clrMapOvr>
+    <a:masterClrMapping/>
+  </p:clrMapOvr>
+</p:sld>
+</file>
+
+<file path=ppt/slides/slide4.xml><?xml version="1.0" encoding="utf-8"?>
+<p:sld xmlns:a="http://schemas.openxmlformats.org/drawingml/2006/main" xmlns:r="http://schemas.openxmlformats.org/officeDocument/2006/relationships" xmlns:p="http://schemas.openxmlformats.org/presentationml/2006/main">
+  <p:cSld>
+    <p:spTree>
+      <p:nvGrpSpPr>
+        <p:cNvPr id="1" name=""/>
+        <p:cNvGrpSpPr/>
+        <p:nvPr/>
+      </p:nvGrpSpPr>
+      <p:grpSpPr>
+        <a:xfrm>
+          <a:off x="0" y="0"/>
+          <a:ext cx="0" cy="0"/>
+          <a:chOff x="0" y="0"/>
+          <a:chExt cx="0" cy="0"/>
+        </a:xfrm>
+      </p:grpSpPr>
+      <p:sp>
+        <p:nvSpPr>
+          <p:cNvPr id="4" name="Textfeld 3">
+            <a:extLst>
+              <a:ext uri="{FF2B5EF4-FFF2-40B4-BE49-F238E27FC236}">
+                <a16:creationId xmlns:a16="http://schemas.microsoft.com/office/drawing/2014/main" id="{11FAD9FB-1EC9-46AA-9531-3673028BF663}"/>
+              </a:ext>
+            </a:extLst>
+          </p:cNvPr>
+          <p:cNvSpPr txBox="1"/>
+          <p:nvPr/>
+        </p:nvSpPr>
+        <p:spPr>
+          <a:xfrm>
+            <a:off x="903231" y="463226"/>
+            <a:ext cx="720073" cy="323976"/>
+          </a:xfrm>
+          <a:prstGeom prst="rect">
+            <a:avLst/>
+          </a:prstGeom>
+          <a:noFill/>
+          <a:ln w="25400">
+            <a:solidFill>
+              <a:schemeClr val="tx1"/>
+            </a:solidFill>
+            <a:prstDash val="solid"/>
+          </a:ln>
+        </p:spPr>
+        <p:txBody>
+          <a:bodyPr wrap="square" rtlCol="0">
+            <a:spAutoFit/>
+          </a:bodyPr>
+          <a:lstStyle/>
+          <a:p>
+            <a:endParaRPr lang="de-DE" dirty="0"/>
+          </a:p>
+        </p:txBody>
+      </p:sp>
+      <p:cxnSp>
+        <p:nvCxnSpPr>
+          <p:cNvPr id="5" name="Gerade Verbindung mit Pfeil 4">
+            <a:extLst>
+              <a:ext uri="{FF2B5EF4-FFF2-40B4-BE49-F238E27FC236}">
+                <a16:creationId xmlns:a16="http://schemas.microsoft.com/office/drawing/2014/main" id="{2F8563FA-5B8B-4D08-8AA8-85766058BA3D}"/>
+              </a:ext>
+            </a:extLst>
+          </p:cNvPr>
+          <p:cNvCxnSpPr>
+            <a:cxnSpLocks/>
+          </p:cNvCxnSpPr>
+          <p:nvPr/>
+        </p:nvCxnSpPr>
+        <p:spPr>
+          <a:xfrm>
+            <a:off x="1268929" y="787202"/>
+            <a:ext cx="0" cy="360040"/>
+          </a:xfrm>
+          <a:prstGeom prst="straightConnector1">
+            <a:avLst/>
+          </a:prstGeom>
+          <a:ln w="25400">
+            <a:solidFill>
+              <a:schemeClr val="tx1"/>
+            </a:solidFill>
+            <a:tailEnd type="triangle"/>
+          </a:ln>
+        </p:spPr>
+        <p:style>
+          <a:lnRef idx="1">
+            <a:schemeClr val="accent1"/>
+          </a:lnRef>
+          <a:fillRef idx="0">
+            <a:schemeClr val="accent1"/>
+          </a:fillRef>
+          <a:effectRef idx="0">
+            <a:schemeClr val="accent1"/>
+          </a:effectRef>
+          <a:fontRef idx="minor">
+            <a:schemeClr val="tx1"/>
+          </a:fontRef>
+        </p:style>
+      </p:cxnSp>
+      <p:sp>
+        <p:nvSpPr>
+          <p:cNvPr id="6" name="Textfeld 5">
+            <a:extLst>
+              <a:ext uri="{FF2B5EF4-FFF2-40B4-BE49-F238E27FC236}">
+                <a16:creationId xmlns:a16="http://schemas.microsoft.com/office/drawing/2014/main" id="{0B30AA11-F85B-4005-A25F-C85ED9A9BDF0}"/>
+              </a:ext>
+            </a:extLst>
+          </p:cNvPr>
+          <p:cNvSpPr txBox="1"/>
+          <p:nvPr/>
+        </p:nvSpPr>
+        <p:spPr>
+          <a:xfrm>
+            <a:off x="903230" y="1158328"/>
+            <a:ext cx="720063" cy="323976"/>
+          </a:xfrm>
+          <a:prstGeom prst="rect">
+            <a:avLst/>
+          </a:prstGeom>
+          <a:noFill/>
+          <a:ln w="25400">
+            <a:solidFill>
+              <a:schemeClr val="tx1"/>
+            </a:solidFill>
+            <a:prstDash val="solid"/>
+          </a:ln>
+        </p:spPr>
+        <p:txBody>
+          <a:bodyPr wrap="square" rtlCol="0">
+            <a:spAutoFit/>
+          </a:bodyPr>
+          <a:lstStyle/>
+          <a:p>
+            <a:endParaRPr lang="de-DE" dirty="0"/>
+          </a:p>
+        </p:txBody>
+      </p:sp>
+      <p:sp>
+        <p:nvSpPr>
+          <p:cNvPr id="7" name="Textfeld 6">
+            <a:extLst>
+              <a:ext uri="{FF2B5EF4-FFF2-40B4-BE49-F238E27FC236}">
+                <a16:creationId xmlns:a16="http://schemas.microsoft.com/office/drawing/2014/main" id="{714DD9A8-5B97-47F7-81DA-FA30DAF092A6}"/>
+              </a:ext>
+            </a:extLst>
+          </p:cNvPr>
+          <p:cNvSpPr txBox="1"/>
+          <p:nvPr/>
+        </p:nvSpPr>
+        <p:spPr>
+          <a:xfrm>
+            <a:off x="764873" y="502103"/>
+            <a:ext cx="1008112" cy="246221"/>
+          </a:xfrm>
+          <a:prstGeom prst="rect">
+            <a:avLst/>
+          </a:prstGeom>
+          <a:noFill/>
+        </p:spPr>
+        <p:txBody>
+          <a:bodyPr wrap="square" rtlCol="0" anchor="ctr">
+            <a:spAutoFit/>
+          </a:bodyPr>
+          <a:lstStyle/>
+          <a:p>
+            <a:pPr algn="ctr"/>
+            <a:r>
+              <a:rPr lang="de-DE" sz="1000" dirty="0"/>
+              <a:t>Handbetrieb</a:t>
+            </a:r>
+          </a:p>
+        </p:txBody>
+      </p:sp>
+      <p:cxnSp>
+        <p:nvCxnSpPr>
+          <p:cNvPr id="8" name="Gerader Verbinder 7">
+            <a:extLst>
+              <a:ext uri="{FF2B5EF4-FFF2-40B4-BE49-F238E27FC236}">
+                <a16:creationId xmlns:a16="http://schemas.microsoft.com/office/drawing/2014/main" id="{EB3F92F1-6FA8-45F6-9E76-B92E9E2088E4}"/>
+              </a:ext>
+            </a:extLst>
+          </p:cNvPr>
+          <p:cNvCxnSpPr/>
+          <p:nvPr/>
+        </p:nvCxnSpPr>
+        <p:spPr>
+          <a:xfrm flipH="1">
+            <a:off x="1124743" y="967282"/>
+            <a:ext cx="288032" cy="0"/>
+          </a:xfrm>
+          <a:prstGeom prst="line">
+            <a:avLst/>
+          </a:prstGeom>
+          <a:ln>
+            <a:solidFill>
+              <a:schemeClr val="tx1"/>
+            </a:solidFill>
+          </a:ln>
+        </p:spPr>
+        <p:style>
+          <a:lnRef idx="1">
+            <a:schemeClr val="accent1"/>
+          </a:lnRef>
+          <a:fillRef idx="0">
+            <a:schemeClr val="accent1"/>
+          </a:fillRef>
+          <a:effectRef idx="0">
+            <a:schemeClr val="accent1"/>
+          </a:effectRef>
+          <a:fontRef idx="minor">
+            <a:schemeClr val="tx1"/>
+          </a:fontRef>
+        </p:style>
+      </p:cxnSp>
+      <p:sp>
+        <p:nvSpPr>
+          <p:cNvPr id="9" name="Textfeld 8">
+            <a:extLst>
+              <a:ext uri="{FF2B5EF4-FFF2-40B4-BE49-F238E27FC236}">
+                <a16:creationId xmlns:a16="http://schemas.microsoft.com/office/drawing/2014/main" id="{1DBE3370-BF3C-4AC0-BD99-484A16795B2A}"/>
+              </a:ext>
+            </a:extLst>
+          </p:cNvPr>
+          <p:cNvSpPr txBox="1"/>
+          <p:nvPr/>
+        </p:nvSpPr>
+        <p:spPr>
+          <a:xfrm>
+            <a:off x="224268" y="767167"/>
+            <a:ext cx="1008112" cy="400110"/>
+          </a:xfrm>
+          <a:prstGeom prst="rect">
+            <a:avLst/>
+          </a:prstGeom>
+          <a:noFill/>
+        </p:spPr>
+        <p:txBody>
+          <a:bodyPr wrap="square" rtlCol="0" anchor="ctr">
+            <a:spAutoFit/>
+          </a:bodyPr>
+          <a:lstStyle/>
+          <a:p>
+            <a:pPr algn="ctr"/>
+            <a:r>
+              <a:rPr lang="de-DE" sz="1000" dirty="0"/>
+              <a:t>Automatik Taster</a:t>
+            </a:r>
+          </a:p>
+        </p:txBody>
+      </p:sp>
+      <p:sp>
+        <p:nvSpPr>
+          <p:cNvPr id="10" name="Textfeld 9">
+            <a:extLst>
+              <a:ext uri="{FF2B5EF4-FFF2-40B4-BE49-F238E27FC236}">
+                <a16:creationId xmlns:a16="http://schemas.microsoft.com/office/drawing/2014/main" id="{33CE4F82-A755-4115-BBD3-0C8E93F5D723}"/>
+              </a:ext>
+            </a:extLst>
+          </p:cNvPr>
+          <p:cNvSpPr txBox="1"/>
+          <p:nvPr/>
+        </p:nvSpPr>
+        <p:spPr>
+          <a:xfrm>
+            <a:off x="759205" y="1196162"/>
+            <a:ext cx="1008112" cy="246221"/>
+          </a:xfrm>
+          <a:prstGeom prst="rect">
+            <a:avLst/>
+          </a:prstGeom>
+          <a:noFill/>
+        </p:spPr>
+        <p:txBody>
+          <a:bodyPr wrap="square" rtlCol="0" anchor="ctr">
+            <a:spAutoFit/>
+          </a:bodyPr>
+          <a:lstStyle/>
+          <a:p>
+            <a:pPr algn="ctr"/>
+            <a:r>
+              <a:rPr lang="de-DE" sz="1000" dirty="0"/>
+              <a:t>Auto-</a:t>
+            </a:r>
+            <a:r>
+              <a:rPr lang="de-DE" sz="1000" dirty="0" err="1"/>
+              <a:t>Wait</a:t>
+            </a:r>
+            <a:endParaRPr lang="de-DE" sz="1000" dirty="0"/>
+          </a:p>
+        </p:txBody>
+      </p:sp>
+      <p:cxnSp>
+        <p:nvCxnSpPr>
+          <p:cNvPr id="11" name="Gerade Verbindung mit Pfeil 10">
+            <a:extLst>
+              <a:ext uri="{FF2B5EF4-FFF2-40B4-BE49-F238E27FC236}">
+                <a16:creationId xmlns:a16="http://schemas.microsoft.com/office/drawing/2014/main" id="{ABCBAF62-B26C-48F0-A727-F16C40747D9B}"/>
+              </a:ext>
+            </a:extLst>
+          </p:cNvPr>
+          <p:cNvCxnSpPr>
+            <a:cxnSpLocks/>
+          </p:cNvCxnSpPr>
+          <p:nvPr/>
+        </p:nvCxnSpPr>
+        <p:spPr>
+          <a:xfrm>
+            <a:off x="1268589" y="1851031"/>
+            <a:ext cx="170" cy="362439"/>
+          </a:xfrm>
+          <a:prstGeom prst="straightConnector1">
+            <a:avLst/>
+          </a:prstGeom>
+          <a:ln w="25400">
+            <a:solidFill>
+              <a:schemeClr val="tx1"/>
+            </a:solidFill>
+            <a:tailEnd type="triangle"/>
+          </a:ln>
+        </p:spPr>
+        <p:style>
+          <a:lnRef idx="1">
+            <a:schemeClr val="accent1"/>
+          </a:lnRef>
+          <a:fillRef idx="0">
+            <a:schemeClr val="accent1"/>
+          </a:fillRef>
+          <a:effectRef idx="0">
+            <a:schemeClr val="accent1"/>
+          </a:effectRef>
+          <a:fontRef idx="minor">
+            <a:schemeClr val="tx1"/>
+          </a:fontRef>
+        </p:style>
+      </p:cxnSp>
+      <p:sp>
+        <p:nvSpPr>
+          <p:cNvPr id="12" name="Textfeld 11">
+            <a:extLst>
+              <a:ext uri="{FF2B5EF4-FFF2-40B4-BE49-F238E27FC236}">
+                <a16:creationId xmlns:a16="http://schemas.microsoft.com/office/drawing/2014/main" id="{22E5A6A9-77D4-4F82-A615-B60ABC46EED5}"/>
+              </a:ext>
+            </a:extLst>
+          </p:cNvPr>
+          <p:cNvSpPr txBox="1"/>
+          <p:nvPr/>
+        </p:nvSpPr>
+        <p:spPr>
+          <a:xfrm>
+            <a:off x="903060" y="2224556"/>
+            <a:ext cx="720063" cy="323976"/>
+          </a:xfrm>
+          <a:prstGeom prst="rect">
+            <a:avLst/>
+          </a:prstGeom>
+          <a:noFill/>
+          <a:ln w="25400">
+            <a:solidFill>
+              <a:schemeClr val="tx1"/>
+            </a:solidFill>
+            <a:prstDash val="solid"/>
+          </a:ln>
+        </p:spPr>
+        <p:txBody>
+          <a:bodyPr wrap="square" rtlCol="0">
+            <a:spAutoFit/>
+          </a:bodyPr>
+          <a:lstStyle/>
+          <a:p>
+            <a:endParaRPr lang="de-DE" dirty="0"/>
+          </a:p>
+        </p:txBody>
+      </p:sp>
+      <p:cxnSp>
+        <p:nvCxnSpPr>
+          <p:cNvPr id="13" name="Gerader Verbinder 12">
+            <a:extLst>
+              <a:ext uri="{FF2B5EF4-FFF2-40B4-BE49-F238E27FC236}">
+                <a16:creationId xmlns:a16="http://schemas.microsoft.com/office/drawing/2014/main" id="{00C142A0-61C4-48C4-9888-50648116FC8F}"/>
+              </a:ext>
+            </a:extLst>
+          </p:cNvPr>
+          <p:cNvCxnSpPr/>
+          <p:nvPr/>
+        </p:nvCxnSpPr>
+        <p:spPr>
+          <a:xfrm flipH="1">
+            <a:off x="1124573" y="2033510"/>
+            <a:ext cx="288032" cy="0"/>
+          </a:xfrm>
+          <a:prstGeom prst="line">
+            <a:avLst/>
+          </a:prstGeom>
+          <a:ln>
+            <a:solidFill>
+              <a:schemeClr val="tx1"/>
+            </a:solidFill>
+          </a:ln>
+        </p:spPr>
+        <p:style>
+          <a:lnRef idx="1">
+            <a:schemeClr val="accent1"/>
+          </a:lnRef>
+          <a:fillRef idx="0">
+            <a:schemeClr val="accent1"/>
+          </a:fillRef>
+          <a:effectRef idx="0">
+            <a:schemeClr val="accent1"/>
+          </a:effectRef>
+          <a:fontRef idx="minor">
+            <a:schemeClr val="tx1"/>
+          </a:fontRef>
+        </p:style>
+      </p:cxnSp>
+      <p:sp>
+        <p:nvSpPr>
+          <p:cNvPr id="14" name="Textfeld 13">
+            <a:extLst>
+              <a:ext uri="{FF2B5EF4-FFF2-40B4-BE49-F238E27FC236}">
+                <a16:creationId xmlns:a16="http://schemas.microsoft.com/office/drawing/2014/main" id="{EA4636E3-E35A-41D8-B224-58B07A19DEAE}"/>
+              </a:ext>
+            </a:extLst>
+          </p:cNvPr>
+          <p:cNvSpPr txBox="1"/>
+          <p:nvPr/>
+        </p:nvSpPr>
+        <p:spPr>
+          <a:xfrm>
+            <a:off x="759035" y="2262390"/>
+            <a:ext cx="1008112" cy="246221"/>
+          </a:xfrm>
+          <a:prstGeom prst="rect">
+            <a:avLst/>
+          </a:prstGeom>
+          <a:noFill/>
+        </p:spPr>
+        <p:txBody>
+          <a:bodyPr wrap="square" rtlCol="0" anchor="ctr">
+            <a:spAutoFit/>
+          </a:bodyPr>
+          <a:lstStyle/>
+          <a:p>
+            <a:pPr algn="ctr"/>
+            <a:r>
+              <a:rPr lang="de-DE" sz="1000" dirty="0"/>
+              <a:t>Auto-Run</a:t>
+            </a:r>
+          </a:p>
+        </p:txBody>
+      </p:sp>
+      <p:sp>
+        <p:nvSpPr>
+          <p:cNvPr id="15" name="Textfeld 14">
+            <a:extLst>
+              <a:ext uri="{FF2B5EF4-FFF2-40B4-BE49-F238E27FC236}">
+                <a16:creationId xmlns:a16="http://schemas.microsoft.com/office/drawing/2014/main" id="{EEAEE9D6-ACC5-4F54-A18C-12B8CE7D0795}"/>
+              </a:ext>
+            </a:extLst>
+          </p:cNvPr>
+          <p:cNvSpPr txBox="1"/>
+          <p:nvPr/>
+        </p:nvSpPr>
+        <p:spPr>
+          <a:xfrm>
+            <a:off x="218431" y="1837388"/>
+            <a:ext cx="1008112" cy="400110"/>
+          </a:xfrm>
+          <a:prstGeom prst="rect">
+            <a:avLst/>
+          </a:prstGeom>
+          <a:noFill/>
+        </p:spPr>
+        <p:txBody>
+          <a:bodyPr wrap="square" rtlCol="0" anchor="ctr">
+            <a:spAutoFit/>
+          </a:bodyPr>
+          <a:lstStyle/>
+          <a:p>
+            <a:pPr algn="ctr"/>
+            <a:r>
+              <a:rPr lang="de-DE" sz="1000" dirty="0"/>
+              <a:t>Carrera Handregler</a:t>
+            </a:r>
+          </a:p>
+        </p:txBody>
+      </p:sp>
+      <p:sp>
+        <p:nvSpPr>
+          <p:cNvPr id="16" name="Textfeld 15">
+            <a:extLst>
+              <a:ext uri="{FF2B5EF4-FFF2-40B4-BE49-F238E27FC236}">
+                <a16:creationId xmlns:a16="http://schemas.microsoft.com/office/drawing/2014/main" id="{981DE154-B560-4973-AC67-CEE04D8BE337}"/>
+              </a:ext>
+            </a:extLst>
+          </p:cNvPr>
+          <p:cNvSpPr txBox="1"/>
+          <p:nvPr/>
+        </p:nvSpPr>
+        <p:spPr>
+          <a:xfrm>
+            <a:off x="1257606" y="484007"/>
+            <a:ext cx="1008112" cy="276999"/>
+          </a:xfrm>
+          <a:prstGeom prst="rect">
+            <a:avLst/>
+          </a:prstGeom>
+          <a:noFill/>
+        </p:spPr>
+        <p:txBody>
+          <a:bodyPr wrap="square" rtlCol="0" anchor="ctr">
+            <a:spAutoFit/>
+          </a:bodyPr>
+          <a:lstStyle/>
+          <a:p>
+            <a:pPr algn="ctr"/>
+            <a:r>
+              <a:rPr lang="de-DE" sz="1200" i="1" dirty="0"/>
+              <a:t>S0</a:t>
+            </a:r>
+          </a:p>
+        </p:txBody>
+      </p:sp>
+      <p:sp>
+        <p:nvSpPr>
+          <p:cNvPr id="17" name="Textfeld 16">
+            <a:extLst>
+              <a:ext uri="{FF2B5EF4-FFF2-40B4-BE49-F238E27FC236}">
+                <a16:creationId xmlns:a16="http://schemas.microsoft.com/office/drawing/2014/main" id="{F86A7BB3-B9C7-400E-81A8-A8D3DF6ABB12}"/>
+              </a:ext>
+            </a:extLst>
+          </p:cNvPr>
+          <p:cNvSpPr txBox="1"/>
+          <p:nvPr/>
+        </p:nvSpPr>
+        <p:spPr>
+          <a:xfrm>
+            <a:off x="1263261" y="1182378"/>
+            <a:ext cx="1008112" cy="276999"/>
+          </a:xfrm>
+          <a:prstGeom prst="rect">
+            <a:avLst/>
+          </a:prstGeom>
+          <a:noFill/>
+        </p:spPr>
+        <p:txBody>
+          <a:bodyPr wrap="square" rtlCol="0" anchor="ctr">
+            <a:spAutoFit/>
+          </a:bodyPr>
+          <a:lstStyle/>
+          <a:p>
+            <a:pPr algn="ctr"/>
+            <a:r>
+              <a:rPr lang="de-DE" sz="1200" i="1" dirty="0"/>
+              <a:t>S1</a:t>
+            </a:r>
+          </a:p>
+        </p:txBody>
+      </p:sp>
+      <p:sp>
+        <p:nvSpPr>
+          <p:cNvPr id="18" name="Textfeld 17">
+            <a:extLst>
+              <a:ext uri="{FF2B5EF4-FFF2-40B4-BE49-F238E27FC236}">
+                <a16:creationId xmlns:a16="http://schemas.microsoft.com/office/drawing/2014/main" id="{A138DE31-62DA-4559-9218-6665BACC5E39}"/>
+              </a:ext>
+            </a:extLst>
+          </p:cNvPr>
+          <p:cNvSpPr txBox="1"/>
+          <p:nvPr/>
+        </p:nvSpPr>
+        <p:spPr>
+          <a:xfrm>
+            <a:off x="1257424" y="2247001"/>
+            <a:ext cx="1008112" cy="276999"/>
+          </a:xfrm>
+          <a:prstGeom prst="rect">
+            <a:avLst/>
+          </a:prstGeom>
+          <a:noFill/>
+        </p:spPr>
+        <p:txBody>
+          <a:bodyPr wrap="square" rtlCol="0" anchor="ctr">
+            <a:spAutoFit/>
+          </a:bodyPr>
+          <a:lstStyle/>
+          <a:p>
+            <a:pPr algn="ctr"/>
+            <a:r>
+              <a:rPr lang="de-DE" sz="1200" i="1" dirty="0"/>
+              <a:t>S2</a:t>
+            </a:r>
+          </a:p>
+        </p:txBody>
+      </p:sp>
+      <p:cxnSp>
+        <p:nvCxnSpPr>
+          <p:cNvPr id="19" name="Gerade Verbindung mit Pfeil 18">
+            <a:extLst>
+              <a:ext uri="{FF2B5EF4-FFF2-40B4-BE49-F238E27FC236}">
+                <a16:creationId xmlns:a16="http://schemas.microsoft.com/office/drawing/2014/main" id="{05AB840A-AEFD-46F6-B7BB-FD42E89C2912}"/>
+              </a:ext>
+            </a:extLst>
+          </p:cNvPr>
+          <p:cNvCxnSpPr>
+            <a:cxnSpLocks/>
+          </p:cNvCxnSpPr>
+          <p:nvPr/>
+        </p:nvCxnSpPr>
+        <p:spPr>
+          <a:xfrm>
+            <a:off x="1268759" y="1482304"/>
+            <a:ext cx="0" cy="371126"/>
+          </a:xfrm>
+          <a:prstGeom prst="straightConnector1">
+            <a:avLst/>
+          </a:prstGeom>
+          <a:ln w="25400">
+            <a:solidFill>
+              <a:schemeClr val="tx1"/>
+            </a:solidFill>
+            <a:tailEnd type="triangle"/>
+          </a:ln>
+        </p:spPr>
+        <p:style>
+          <a:lnRef idx="1">
+            <a:schemeClr val="accent1"/>
+          </a:lnRef>
+          <a:fillRef idx="0">
+            <a:schemeClr val="accent1"/>
+          </a:fillRef>
+          <a:effectRef idx="0">
+            <a:schemeClr val="accent1"/>
+          </a:effectRef>
+          <a:fontRef idx="minor">
+            <a:schemeClr val="tx1"/>
+          </a:fontRef>
+        </p:style>
+      </p:cxnSp>
+      <p:cxnSp>
+        <p:nvCxnSpPr>
+          <p:cNvPr id="20" name="Gerader Verbinder 19">
+            <a:extLst>
+              <a:ext uri="{FF2B5EF4-FFF2-40B4-BE49-F238E27FC236}">
+                <a16:creationId xmlns:a16="http://schemas.microsoft.com/office/drawing/2014/main" id="{46B735D5-750F-43CD-BF2B-7D2E0D68D93A}"/>
+              </a:ext>
+            </a:extLst>
+          </p:cNvPr>
+          <p:cNvCxnSpPr>
+            <a:cxnSpLocks/>
+          </p:cNvCxnSpPr>
+          <p:nvPr/>
+        </p:nvCxnSpPr>
+        <p:spPr>
+          <a:xfrm flipH="1">
+            <a:off x="1195140" y="1844565"/>
+            <a:ext cx="1728192" cy="2341"/>
+          </a:xfrm>
+          <a:prstGeom prst="line">
+            <a:avLst/>
+          </a:prstGeom>
+          <a:ln w="12700">
+            <a:solidFill>
+              <a:schemeClr val="tx1"/>
+            </a:solidFill>
+          </a:ln>
+        </p:spPr>
+        <p:style>
+          <a:lnRef idx="1">
+            <a:schemeClr val="accent1"/>
+          </a:lnRef>
+          <a:fillRef idx="0">
+            <a:schemeClr val="accent1"/>
+          </a:fillRef>
+          <a:effectRef idx="0">
+            <a:schemeClr val="accent1"/>
+          </a:effectRef>
+          <a:fontRef idx="minor">
+            <a:schemeClr val="tx1"/>
+          </a:fontRef>
+        </p:style>
+      </p:cxnSp>
+      <p:cxnSp>
+        <p:nvCxnSpPr>
+          <p:cNvPr id="21" name="Gerade Verbindung mit Pfeil 20">
+            <a:extLst>
+              <a:ext uri="{FF2B5EF4-FFF2-40B4-BE49-F238E27FC236}">
+                <a16:creationId xmlns:a16="http://schemas.microsoft.com/office/drawing/2014/main" id="{54D8BEEA-B06C-432C-9508-29CA63A3BA8B}"/>
+              </a:ext>
+            </a:extLst>
+          </p:cNvPr>
+          <p:cNvCxnSpPr>
+            <a:cxnSpLocks/>
+          </p:cNvCxnSpPr>
+          <p:nvPr/>
+        </p:nvCxnSpPr>
+        <p:spPr>
+          <a:xfrm>
+            <a:off x="2779313" y="1848265"/>
+            <a:ext cx="223" cy="359296"/>
+          </a:xfrm>
+          <a:prstGeom prst="straightConnector1">
+            <a:avLst/>
+          </a:prstGeom>
+          <a:ln w="25400">
+            <a:solidFill>
+              <a:schemeClr val="tx1"/>
+            </a:solidFill>
+            <a:tailEnd type="triangle"/>
+          </a:ln>
+        </p:spPr>
+        <p:style>
+          <a:lnRef idx="1">
+            <a:schemeClr val="accent1"/>
+          </a:lnRef>
+          <a:fillRef idx="0">
+            <a:schemeClr val="accent1"/>
+          </a:fillRef>
+          <a:effectRef idx="0">
+            <a:schemeClr val="accent1"/>
+          </a:effectRef>
+          <a:fontRef idx="minor">
+            <a:schemeClr val="tx1"/>
+          </a:fontRef>
+        </p:style>
+      </p:cxnSp>
+      <p:cxnSp>
+        <p:nvCxnSpPr>
+          <p:cNvPr id="22" name="Gerader Verbinder 21">
+            <a:extLst>
+              <a:ext uri="{FF2B5EF4-FFF2-40B4-BE49-F238E27FC236}">
+                <a16:creationId xmlns:a16="http://schemas.microsoft.com/office/drawing/2014/main" id="{D8536AC1-4D13-4408-AC13-9B8FF9683A7F}"/>
+              </a:ext>
+            </a:extLst>
+          </p:cNvPr>
+          <p:cNvCxnSpPr/>
+          <p:nvPr/>
+        </p:nvCxnSpPr>
+        <p:spPr>
+          <a:xfrm flipH="1">
+            <a:off x="2635350" y="2027601"/>
+            <a:ext cx="288032" cy="0"/>
+          </a:xfrm>
+          <a:prstGeom prst="line">
+            <a:avLst/>
+          </a:prstGeom>
+          <a:ln>
+            <a:solidFill>
+              <a:schemeClr val="tx1"/>
+            </a:solidFill>
+          </a:ln>
+        </p:spPr>
+        <p:style>
+          <a:lnRef idx="1">
+            <a:schemeClr val="accent1"/>
+          </a:lnRef>
+          <a:fillRef idx="0">
+            <a:schemeClr val="accent1"/>
+          </a:fillRef>
+          <a:effectRef idx="0">
+            <a:schemeClr val="accent1"/>
+          </a:effectRef>
+          <a:fontRef idx="minor">
+            <a:schemeClr val="tx1"/>
+          </a:fontRef>
+        </p:style>
+      </p:cxnSp>
+      <p:sp>
+        <p:nvSpPr>
+          <p:cNvPr id="23" name="Textfeld 22">
+            <a:extLst>
+              <a:ext uri="{FF2B5EF4-FFF2-40B4-BE49-F238E27FC236}">
+                <a16:creationId xmlns:a16="http://schemas.microsoft.com/office/drawing/2014/main" id="{A0DAD114-DED1-4795-A008-3725650BE90B}"/>
+              </a:ext>
+            </a:extLst>
+          </p:cNvPr>
+          <p:cNvSpPr txBox="1"/>
+          <p:nvPr/>
+        </p:nvSpPr>
+        <p:spPr>
+          <a:xfrm>
+            <a:off x="1977487" y="1827546"/>
+            <a:ext cx="1008112" cy="400110"/>
+          </a:xfrm>
+          <a:prstGeom prst="rect">
+            <a:avLst/>
+          </a:prstGeom>
+          <a:noFill/>
+        </p:spPr>
+        <p:txBody>
+          <a:bodyPr wrap="square" rtlCol="0" anchor="ctr">
+            <a:spAutoFit/>
+          </a:bodyPr>
+          <a:lstStyle/>
+          <a:p>
+            <a:pPr algn="ctr"/>
+            <a:r>
+              <a:rPr lang="de-DE" sz="1000" dirty="0"/>
+              <a:t>Hand</a:t>
+            </a:r>
+          </a:p>
+          <a:p>
+            <a:pPr algn="ctr"/>
+            <a:r>
+              <a:rPr lang="de-DE" sz="1000" dirty="0"/>
+              <a:t>Taster</a:t>
+            </a:r>
+          </a:p>
+        </p:txBody>
+      </p:sp>
+      <p:sp>
+        <p:nvSpPr>
+          <p:cNvPr id="24" name="Textfeld 23">
+            <a:extLst>
+              <a:ext uri="{FF2B5EF4-FFF2-40B4-BE49-F238E27FC236}">
+                <a16:creationId xmlns:a16="http://schemas.microsoft.com/office/drawing/2014/main" id="{A3CD2A23-4CB8-42C7-8B4D-A2362B6B79CD}"/>
+              </a:ext>
+            </a:extLst>
+          </p:cNvPr>
+          <p:cNvSpPr txBox="1"/>
+          <p:nvPr/>
+        </p:nvSpPr>
+        <p:spPr>
+          <a:xfrm>
+            <a:off x="2275257" y="2129993"/>
+            <a:ext cx="1008112" cy="276999"/>
+          </a:xfrm>
+          <a:prstGeom prst="rect">
+            <a:avLst/>
+          </a:prstGeom>
+          <a:noFill/>
+        </p:spPr>
+        <p:txBody>
+          <a:bodyPr wrap="square" rtlCol="0" anchor="ctr">
+            <a:spAutoFit/>
+          </a:bodyPr>
+          <a:lstStyle/>
+          <a:p>
+            <a:pPr algn="ctr"/>
+            <a:r>
+              <a:rPr lang="de-DE" sz="1200" i="1" dirty="0"/>
+              <a:t>S0</a:t>
+            </a:r>
+          </a:p>
+        </p:txBody>
+      </p:sp>
+      <p:cxnSp>
+        <p:nvCxnSpPr>
+          <p:cNvPr id="25" name="Gerade Verbindung mit Pfeil 24">
+            <a:extLst>
+              <a:ext uri="{FF2B5EF4-FFF2-40B4-BE49-F238E27FC236}">
+                <a16:creationId xmlns:a16="http://schemas.microsoft.com/office/drawing/2014/main" id="{686FF97B-E109-40FB-91FF-034E36391463}"/>
+              </a:ext>
+            </a:extLst>
+          </p:cNvPr>
+          <p:cNvCxnSpPr>
+            <a:cxnSpLocks/>
+          </p:cNvCxnSpPr>
+          <p:nvPr/>
+        </p:nvCxnSpPr>
+        <p:spPr>
+          <a:xfrm>
+            <a:off x="1268589" y="2561834"/>
+            <a:ext cx="223" cy="359296"/>
+          </a:xfrm>
+          <a:prstGeom prst="straightConnector1">
+            <a:avLst/>
+          </a:prstGeom>
+          <a:ln w="25400">
+            <a:solidFill>
+              <a:schemeClr val="tx1"/>
+            </a:solidFill>
+            <a:tailEnd type="triangle"/>
+          </a:ln>
+        </p:spPr>
+        <p:style>
+          <a:lnRef idx="1">
+            <a:schemeClr val="accent1"/>
+          </a:lnRef>
+          <a:fillRef idx="0">
+            <a:schemeClr val="accent1"/>
+          </a:fillRef>
+          <a:effectRef idx="0">
+            <a:schemeClr val="accent1"/>
+          </a:effectRef>
+          <a:fontRef idx="minor">
+            <a:schemeClr val="tx1"/>
+          </a:fontRef>
+        </p:style>
+      </p:cxnSp>
+      <p:cxnSp>
+        <p:nvCxnSpPr>
+          <p:cNvPr id="26" name="Gerade Verbindung mit Pfeil 25">
+            <a:extLst>
+              <a:ext uri="{FF2B5EF4-FFF2-40B4-BE49-F238E27FC236}">
+                <a16:creationId xmlns:a16="http://schemas.microsoft.com/office/drawing/2014/main" id="{0830ADB4-F6FA-4133-B9B9-F78265A74063}"/>
+              </a:ext>
+            </a:extLst>
+          </p:cNvPr>
+          <p:cNvCxnSpPr>
+            <a:cxnSpLocks/>
+          </p:cNvCxnSpPr>
+          <p:nvPr/>
+        </p:nvCxnSpPr>
+        <p:spPr>
+          <a:xfrm>
+            <a:off x="1268760" y="92100"/>
+            <a:ext cx="0" cy="371126"/>
+          </a:xfrm>
+          <a:prstGeom prst="straightConnector1">
+            <a:avLst/>
+          </a:prstGeom>
+          <a:ln w="25400">
+            <a:solidFill>
+              <a:schemeClr val="tx1"/>
+            </a:solidFill>
+            <a:headEnd type="oval"/>
+            <a:tailEnd type="triangle"/>
+          </a:ln>
+        </p:spPr>
+        <p:style>
+          <a:lnRef idx="1">
+            <a:schemeClr val="accent1"/>
+          </a:lnRef>
+          <a:fillRef idx="0">
+            <a:schemeClr val="accent1"/>
+          </a:fillRef>
+          <a:effectRef idx="0">
+            <a:schemeClr val="accent1"/>
+          </a:effectRef>
+          <a:fontRef idx="minor">
+            <a:schemeClr val="tx1"/>
+          </a:fontRef>
+        </p:style>
+      </p:cxnSp>
+      <p:cxnSp>
+        <p:nvCxnSpPr>
+          <p:cNvPr id="27" name="Gerader Verbinder 26">
+            <a:extLst>
+              <a:ext uri="{FF2B5EF4-FFF2-40B4-BE49-F238E27FC236}">
+                <a16:creationId xmlns:a16="http://schemas.microsoft.com/office/drawing/2014/main" id="{BB33045D-2EFE-4C82-A3BD-00DD2C4CDE67}"/>
+              </a:ext>
+            </a:extLst>
+          </p:cNvPr>
+          <p:cNvCxnSpPr>
+            <a:cxnSpLocks/>
+          </p:cNvCxnSpPr>
+          <p:nvPr/>
+        </p:nvCxnSpPr>
+        <p:spPr>
+          <a:xfrm flipH="1">
+            <a:off x="1195140" y="2919970"/>
+            <a:ext cx="1728192" cy="2341"/>
+          </a:xfrm>
+          <a:prstGeom prst="line">
+            <a:avLst/>
+          </a:prstGeom>
+          <a:ln w="12700">
+            <a:solidFill>
+              <a:schemeClr val="tx1"/>
+            </a:solidFill>
+          </a:ln>
+        </p:spPr>
+        <p:style>
+          <a:lnRef idx="1">
+            <a:schemeClr val="accent1"/>
+          </a:lnRef>
+          <a:fillRef idx="0">
+            <a:schemeClr val="accent1"/>
+          </a:fillRef>
+          <a:effectRef idx="0">
+            <a:schemeClr val="accent1"/>
+          </a:effectRef>
+          <a:fontRef idx="minor">
+            <a:schemeClr val="tx1"/>
+          </a:fontRef>
+        </p:style>
+      </p:cxnSp>
+      <p:cxnSp>
+        <p:nvCxnSpPr>
+          <p:cNvPr id="28" name="Gerade Verbindung mit Pfeil 27">
+            <a:extLst>
+              <a:ext uri="{FF2B5EF4-FFF2-40B4-BE49-F238E27FC236}">
+                <a16:creationId xmlns:a16="http://schemas.microsoft.com/office/drawing/2014/main" id="{F59C8EF2-4CEC-49CD-BA51-3652C525D208}"/>
+              </a:ext>
+            </a:extLst>
+          </p:cNvPr>
+          <p:cNvCxnSpPr>
+            <a:cxnSpLocks/>
+          </p:cNvCxnSpPr>
+          <p:nvPr/>
+        </p:nvCxnSpPr>
+        <p:spPr>
+          <a:xfrm>
+            <a:off x="2779313" y="2921202"/>
+            <a:ext cx="223" cy="359296"/>
+          </a:xfrm>
+          <a:prstGeom prst="straightConnector1">
+            <a:avLst/>
+          </a:prstGeom>
+          <a:ln w="25400">
+            <a:solidFill>
+              <a:schemeClr val="tx1"/>
+            </a:solidFill>
+            <a:tailEnd type="triangle"/>
+          </a:ln>
+        </p:spPr>
+        <p:style>
+          <a:lnRef idx="1">
+            <a:schemeClr val="accent1"/>
+          </a:lnRef>
+          <a:fillRef idx="0">
+            <a:schemeClr val="accent1"/>
+          </a:fillRef>
+          <a:effectRef idx="0">
+            <a:schemeClr val="accent1"/>
+          </a:effectRef>
+          <a:fontRef idx="minor">
+            <a:schemeClr val="tx1"/>
+          </a:fontRef>
+        </p:style>
+      </p:cxnSp>
+      <p:cxnSp>
+        <p:nvCxnSpPr>
+          <p:cNvPr id="29" name="Gerader Verbinder 28">
+            <a:extLst>
+              <a:ext uri="{FF2B5EF4-FFF2-40B4-BE49-F238E27FC236}">
+                <a16:creationId xmlns:a16="http://schemas.microsoft.com/office/drawing/2014/main" id="{AC9A7506-F899-44C8-B364-D3D1C4CF3D39}"/>
+              </a:ext>
+            </a:extLst>
+          </p:cNvPr>
+          <p:cNvCxnSpPr/>
+          <p:nvPr/>
+        </p:nvCxnSpPr>
+        <p:spPr>
+          <a:xfrm flipH="1">
+            <a:off x="2635350" y="3100538"/>
+            <a:ext cx="288032" cy="0"/>
+          </a:xfrm>
+          <a:prstGeom prst="line">
+            <a:avLst/>
+          </a:prstGeom>
+          <a:ln>
+            <a:solidFill>
+              <a:schemeClr val="tx1"/>
+            </a:solidFill>
+          </a:ln>
+        </p:spPr>
+        <p:style>
+          <a:lnRef idx="1">
+            <a:schemeClr val="accent1"/>
+          </a:lnRef>
+          <a:fillRef idx="0">
+            <a:schemeClr val="accent1"/>
+          </a:fillRef>
+          <a:effectRef idx="0">
+            <a:schemeClr val="accent1"/>
+          </a:effectRef>
+          <a:fontRef idx="minor">
+            <a:schemeClr val="tx1"/>
+          </a:fontRef>
+        </p:style>
+      </p:cxnSp>
+      <p:sp>
+        <p:nvSpPr>
+          <p:cNvPr id="30" name="Textfeld 29">
+            <a:extLst>
+              <a:ext uri="{FF2B5EF4-FFF2-40B4-BE49-F238E27FC236}">
+                <a16:creationId xmlns:a16="http://schemas.microsoft.com/office/drawing/2014/main" id="{4AE1D6F6-FE72-4645-9441-411AF2585109}"/>
+              </a:ext>
+            </a:extLst>
+          </p:cNvPr>
+          <p:cNvSpPr txBox="1"/>
+          <p:nvPr/>
+        </p:nvSpPr>
+        <p:spPr>
+          <a:xfrm>
+            <a:off x="1977487" y="2900483"/>
+            <a:ext cx="1008112" cy="400110"/>
+          </a:xfrm>
+          <a:prstGeom prst="rect">
+            <a:avLst/>
+          </a:prstGeom>
+          <a:noFill/>
+        </p:spPr>
+        <p:txBody>
+          <a:bodyPr wrap="square" rtlCol="0" anchor="ctr">
+            <a:spAutoFit/>
+          </a:bodyPr>
+          <a:lstStyle/>
+          <a:p>
+            <a:pPr algn="ctr"/>
+            <a:r>
+              <a:rPr lang="de-DE" sz="1000" dirty="0"/>
+              <a:t>Hand</a:t>
+            </a:r>
+          </a:p>
+          <a:p>
+            <a:pPr algn="ctr"/>
+            <a:r>
+              <a:rPr lang="de-DE" sz="1000" dirty="0"/>
+              <a:t>Taster</a:t>
+            </a:r>
+          </a:p>
+        </p:txBody>
+      </p:sp>
+      <p:sp>
+        <p:nvSpPr>
+          <p:cNvPr id="31" name="Textfeld 30">
+            <a:extLst>
+              <a:ext uri="{FF2B5EF4-FFF2-40B4-BE49-F238E27FC236}">
+                <a16:creationId xmlns:a16="http://schemas.microsoft.com/office/drawing/2014/main" id="{0D00CA8A-B118-4094-9E1F-B5252DAEDE79}"/>
+              </a:ext>
+            </a:extLst>
+          </p:cNvPr>
+          <p:cNvSpPr txBox="1"/>
+          <p:nvPr/>
+        </p:nvSpPr>
+        <p:spPr>
+          <a:xfrm>
+            <a:off x="2275257" y="3202930"/>
+            <a:ext cx="1008112" cy="276999"/>
+          </a:xfrm>
+          <a:prstGeom prst="rect">
+            <a:avLst/>
+          </a:prstGeom>
+          <a:noFill/>
+        </p:spPr>
+        <p:txBody>
+          <a:bodyPr wrap="square" rtlCol="0" anchor="ctr">
+            <a:spAutoFit/>
+          </a:bodyPr>
+          <a:lstStyle/>
+          <a:p>
+            <a:pPr algn="ctr"/>
+            <a:r>
+              <a:rPr lang="de-DE" sz="1200" i="1" dirty="0"/>
+              <a:t>S0</a:t>
+            </a:r>
+          </a:p>
+        </p:txBody>
+      </p:sp>
+      <p:cxnSp>
+        <p:nvCxnSpPr>
+          <p:cNvPr id="32" name="Gerade Verbindung mit Pfeil 31">
+            <a:extLst>
+              <a:ext uri="{FF2B5EF4-FFF2-40B4-BE49-F238E27FC236}">
+                <a16:creationId xmlns:a16="http://schemas.microsoft.com/office/drawing/2014/main" id="{93399A7D-6399-40DE-860E-891EF5B1ABB9}"/>
+              </a:ext>
+            </a:extLst>
+          </p:cNvPr>
+          <p:cNvCxnSpPr>
+            <a:cxnSpLocks/>
+          </p:cNvCxnSpPr>
+          <p:nvPr/>
+        </p:nvCxnSpPr>
+        <p:spPr>
+          <a:xfrm>
+            <a:off x="1268759" y="2920458"/>
+            <a:ext cx="0" cy="360040"/>
+          </a:xfrm>
+          <a:prstGeom prst="straightConnector1">
+            <a:avLst/>
+          </a:prstGeom>
+          <a:ln w="25400">
+            <a:solidFill>
+              <a:schemeClr val="tx1"/>
+            </a:solidFill>
+            <a:tailEnd type="triangle"/>
+          </a:ln>
+        </p:spPr>
+        <p:style>
+          <a:lnRef idx="1">
+            <a:schemeClr val="accent1"/>
+          </a:lnRef>
+          <a:fillRef idx="0">
+            <a:schemeClr val="accent1"/>
+          </a:fillRef>
+          <a:effectRef idx="0">
+            <a:schemeClr val="accent1"/>
+          </a:effectRef>
+          <a:fontRef idx="minor">
+            <a:schemeClr val="tx1"/>
+          </a:fontRef>
+        </p:style>
+      </p:cxnSp>
+      <p:cxnSp>
+        <p:nvCxnSpPr>
+          <p:cNvPr id="33" name="Gerader Verbinder 32">
+            <a:extLst>
+              <a:ext uri="{FF2B5EF4-FFF2-40B4-BE49-F238E27FC236}">
+                <a16:creationId xmlns:a16="http://schemas.microsoft.com/office/drawing/2014/main" id="{1E93D3EE-803D-404C-8C09-0E7CF1F9DC03}"/>
+              </a:ext>
+            </a:extLst>
+          </p:cNvPr>
+          <p:cNvCxnSpPr/>
+          <p:nvPr/>
+        </p:nvCxnSpPr>
+        <p:spPr>
+          <a:xfrm flipH="1">
+            <a:off x="1124573" y="3100538"/>
+            <a:ext cx="288032" cy="0"/>
+          </a:xfrm>
+          <a:prstGeom prst="line">
+            <a:avLst/>
+          </a:prstGeom>
+          <a:ln>
+            <a:solidFill>
+              <a:schemeClr val="tx1"/>
+            </a:solidFill>
+          </a:ln>
+        </p:spPr>
+        <p:style>
+          <a:lnRef idx="1">
+            <a:schemeClr val="accent1"/>
+          </a:lnRef>
+          <a:fillRef idx="0">
+            <a:schemeClr val="accent1"/>
+          </a:fillRef>
+          <a:effectRef idx="0">
+            <a:schemeClr val="accent1"/>
+          </a:effectRef>
+          <a:fontRef idx="minor">
+            <a:schemeClr val="tx1"/>
+          </a:fontRef>
+        </p:style>
+      </p:cxnSp>
+      <p:sp>
+        <p:nvSpPr>
+          <p:cNvPr id="34" name="Textfeld 33">
+            <a:extLst>
+              <a:ext uri="{FF2B5EF4-FFF2-40B4-BE49-F238E27FC236}">
+                <a16:creationId xmlns:a16="http://schemas.microsoft.com/office/drawing/2014/main" id="{18F74D54-6FFF-4F34-A38C-B289A2A834A6}"/>
+              </a:ext>
+            </a:extLst>
+          </p:cNvPr>
+          <p:cNvSpPr txBox="1"/>
+          <p:nvPr/>
+        </p:nvSpPr>
+        <p:spPr>
+          <a:xfrm>
+            <a:off x="224098" y="2900423"/>
+            <a:ext cx="1008112" cy="400110"/>
+          </a:xfrm>
+          <a:prstGeom prst="rect">
+            <a:avLst/>
+          </a:prstGeom>
+          <a:noFill/>
+        </p:spPr>
+        <p:txBody>
+          <a:bodyPr wrap="square" rtlCol="0" anchor="ctr">
+            <a:spAutoFit/>
+          </a:bodyPr>
+          <a:lstStyle/>
+          <a:p>
+            <a:pPr algn="ctr"/>
+            <a:r>
+              <a:rPr lang="de-DE" sz="1000" dirty="0"/>
+              <a:t>Automatik Taster</a:t>
+            </a:r>
+          </a:p>
+        </p:txBody>
+      </p:sp>
+      <p:sp>
+        <p:nvSpPr>
+          <p:cNvPr id="35" name="Textfeld 34">
+            <a:extLst>
+              <a:ext uri="{FF2B5EF4-FFF2-40B4-BE49-F238E27FC236}">
+                <a16:creationId xmlns:a16="http://schemas.microsoft.com/office/drawing/2014/main" id="{A321DB53-B988-405B-914A-22DA3CAE5D31}"/>
+              </a:ext>
+            </a:extLst>
+          </p:cNvPr>
+          <p:cNvSpPr txBox="1"/>
+          <p:nvPr/>
+        </p:nvSpPr>
+        <p:spPr>
+          <a:xfrm>
+            <a:off x="763312" y="3202930"/>
+            <a:ext cx="1008112" cy="276999"/>
+          </a:xfrm>
+          <a:prstGeom prst="rect">
+            <a:avLst/>
+          </a:prstGeom>
+          <a:noFill/>
+        </p:spPr>
+        <p:txBody>
+          <a:bodyPr wrap="square" rtlCol="0" anchor="ctr">
+            <a:spAutoFit/>
+          </a:bodyPr>
+          <a:lstStyle/>
+          <a:p>
+            <a:pPr algn="ctr"/>
+            <a:r>
+              <a:rPr lang="de-DE" sz="1200" i="1" dirty="0"/>
+              <a:t>S1</a:t>
+            </a:r>
+          </a:p>
+        </p:txBody>
+      </p:sp>
+    </p:spTree>
+    <p:extLst>
+      <p:ext uri="{BB962C8B-B14F-4D97-AF65-F5344CB8AC3E}">
+        <p14:creationId xmlns:p14="http://schemas.microsoft.com/office/powerpoint/2010/main" val="3832017417"/>
       </p:ext>
     </p:extLst>
   </p:cSld>
